--- a/Bao cao do an.pptx
+++ b/Bao cao do an.pptx
@@ -984,7 +984,7 @@
           <a:p>
             <a:fld id="{761991DB-DEE8-4174-9435-9D9F721C6C6A}" type="datetimeFigureOut">
               <a:rPr lang="en-US"/>
-              <a:t>6/18/2017</a:t>
+              <a:t>6/19/2017</a:t>
             </a:fld>
             <a:endParaRPr lang="en-US"/>
           </a:p>
@@ -2723,7 +2723,7 @@
     </p:spTree>
     <p:extLst>
       <p:ext uri="{BB962C8B-B14F-4D97-AF65-F5344CB8AC3E}">
-        <p14:creationId xmlns:p14="http://schemas.microsoft.com/office/powerpoint/2010/main" val="2829779757"/>
+        <p14:creationId xmlns:p14="http://schemas.microsoft.com/office/powerpoint/2010/main" val="3647540332"/>
       </p:ext>
     </p:extLst>
   </p:cSld>
@@ -3606,7 +3606,7 @@
             <a:fld id="{5586B75A-687E-405C-8A0B-8D00578BA2C3}" type="datetimeFigureOut">
               <a:rPr lang="en-US" smtClean="0"/>
               <a:pPr/>
-              <a:t>6/18/2017</a:t>
+              <a:t>6/19/2017</a:t>
             </a:fld>
             <a:endParaRPr lang="en-US"/>
           </a:p>
@@ -3809,7 +3809,7 @@
           <a:p>
             <a:fld id="{5F4E5243-F52A-4D37-9694-EB26C6C31910}" type="datetimeFigureOut">
               <a:rPr lang="en-US" smtClean="0"/>
-              <a:t>6/18/2017</a:t>
+              <a:t>6/19/2017</a:t>
             </a:fld>
             <a:endParaRPr lang="en-US"/>
           </a:p>
@@ -4001,7 +4001,7 @@
           <a:p>
             <a:fld id="{3A77B6E1-634A-48DC-9E8B-D894023267EF}" type="datetimeFigureOut">
               <a:rPr lang="en-US" smtClean="0"/>
-              <a:t>6/18/2017</a:t>
+              <a:t>6/19/2017</a:t>
             </a:fld>
             <a:endParaRPr lang="en-US"/>
           </a:p>
@@ -4275,7 +4275,7 @@
             <a:fld id="{5586B75A-687E-405C-8A0B-8D00578BA2C3}" type="datetimeFigureOut">
               <a:rPr lang="en-US" smtClean="0"/>
               <a:pPr/>
-              <a:t>6/18/2017</a:t>
+              <a:t>6/19/2017</a:t>
             </a:fld>
             <a:endParaRPr lang="en-US"/>
           </a:p>
@@ -4478,7 +4478,7 @@
           <a:p>
             <a:fld id="{7B2D3E9E-A95C-48F2-B4BF-A71542E0BE9A}" type="datetimeFigureOut">
               <a:rPr lang="en-US" smtClean="0"/>
-              <a:t>6/18/2017</a:t>
+              <a:t>6/19/2017</a:t>
             </a:fld>
             <a:endParaRPr lang="en-US"/>
           </a:p>
@@ -4747,7 +4747,7 @@
             <a:fld id="{5586B75A-687E-405C-8A0B-8D00578BA2C3}" type="datetimeFigureOut">
               <a:rPr lang="en-US" smtClean="0"/>
               <a:pPr/>
-              <a:t>6/18/2017</a:t>
+              <a:t>6/19/2017</a:t>
             </a:fld>
             <a:endParaRPr lang="en-US"/>
           </a:p>
@@ -5048,7 +5048,7 @@
           <a:p>
             <a:fld id="{F12952B5-7A2F-4CC8-B7CE-9234E21C2837}" type="datetimeFigureOut">
               <a:rPr lang="en-US" smtClean="0"/>
-              <a:t>6/18/2017</a:t>
+              <a:t>6/19/2017</a:t>
             </a:fld>
             <a:endParaRPr lang="en-US"/>
           </a:p>
@@ -5498,7 +5498,7 @@
           <a:p>
             <a:fld id="{CE1DA07A-9201-4B4B-BAF2-015AFA30F520}" type="datetimeFigureOut">
               <a:rPr lang="en-US" smtClean="0"/>
-              <a:t>6/18/2017</a:t>
+              <a:t>6/19/2017</a:t>
             </a:fld>
             <a:endParaRPr lang="en-US"/>
           </a:p>
@@ -5628,7 +5628,7 @@
           <a:p>
             <a:fld id="{73D7E00A-486F-4252-8B1D-E32645521F49}" type="datetimeFigureOut">
               <a:rPr lang="en-US" smtClean="0"/>
-              <a:t>6/18/2017</a:t>
+              <a:t>6/19/2017</a:t>
             </a:fld>
             <a:endParaRPr lang="en-US"/>
           </a:p>
@@ -5735,7 +5735,7 @@
           <a:p>
             <a:fld id="{8DDF5F92-E675-4B36-9A60-69A962A68675}" type="datetimeFigureOut">
               <a:rPr lang="en-US" smtClean="0"/>
-              <a:t>6/18/2017</a:t>
+              <a:t>6/19/2017</a:t>
             </a:fld>
             <a:endParaRPr lang="en-US"/>
           </a:p>
@@ -6103,7 +6103,7 @@
           <a:p>
             <a:fld id="{AF6E2C9B-5FA2-460D-9BE7-B0812FC2A6FF}" type="datetimeFigureOut">
               <a:rPr lang="en-US" smtClean="0"/>
-              <a:t>6/18/2017</a:t>
+              <a:t>6/19/2017</a:t>
             </a:fld>
             <a:endParaRPr lang="en-US"/>
           </a:p>
@@ -6296,7 +6296,7 @@
           <a:p>
             <a:fld id="{7B2D3E9E-A95C-48F2-B4BF-A71542E0BE9A}" type="datetimeFigureOut">
               <a:rPr lang="en-US" smtClean="0"/>
-              <a:t>6/18/2017</a:t>
+              <a:t>6/19/2017</a:t>
             </a:fld>
             <a:endParaRPr lang="en-US"/>
           </a:p>
@@ -6615,7 +6615,7 @@
             <a:fld id="{5586B75A-687E-405C-8A0B-8D00578BA2C3}" type="datetimeFigureOut">
               <a:rPr lang="en-US" smtClean="0"/>
               <a:pPr/>
-              <a:t>6/18/2017</a:t>
+              <a:t>6/19/2017</a:t>
             </a:fld>
             <a:endParaRPr lang="en-US"/>
           </a:p>
@@ -6818,7 +6818,7 @@
           <a:p>
             <a:fld id="{5F4E5243-F52A-4D37-9694-EB26C6C31910}" type="datetimeFigureOut">
               <a:rPr lang="en-US" smtClean="0"/>
-              <a:t>6/18/2017</a:t>
+              <a:t>6/19/2017</a:t>
             </a:fld>
             <a:endParaRPr lang="en-US"/>
           </a:p>
@@ -7010,7 +7010,7 @@
           <a:p>
             <a:fld id="{3A77B6E1-634A-48DC-9E8B-D894023267EF}" type="datetimeFigureOut">
               <a:rPr lang="en-US" smtClean="0"/>
-              <a:t>6/18/2017</a:t>
+              <a:t>6/19/2017</a:t>
             </a:fld>
             <a:endParaRPr lang="en-US"/>
           </a:p>
@@ -7284,7 +7284,7 @@
             <a:fld id="{5586B75A-687E-405C-8A0B-8D00578BA2C3}" type="datetimeFigureOut">
               <a:rPr lang="en-US" smtClean="0"/>
               <a:pPr/>
-              <a:t>6/18/2017</a:t>
+              <a:t>6/19/2017</a:t>
             </a:fld>
             <a:endParaRPr lang="en-US"/>
           </a:p>
@@ -7487,7 +7487,7 @@
           <a:p>
             <a:fld id="{7B2D3E9E-A95C-48F2-B4BF-A71542E0BE9A}" type="datetimeFigureOut">
               <a:rPr lang="en-US" smtClean="0"/>
-              <a:t>6/18/2017</a:t>
+              <a:t>6/19/2017</a:t>
             </a:fld>
             <a:endParaRPr lang="en-US"/>
           </a:p>
@@ -7756,7 +7756,7 @@
             <a:fld id="{5586B75A-687E-405C-8A0B-8D00578BA2C3}" type="datetimeFigureOut">
               <a:rPr lang="en-US" smtClean="0"/>
               <a:pPr/>
-              <a:t>6/18/2017</a:t>
+              <a:t>6/19/2017</a:t>
             </a:fld>
             <a:endParaRPr lang="en-US"/>
           </a:p>
@@ -8057,7 +8057,7 @@
           <a:p>
             <a:fld id="{F12952B5-7A2F-4CC8-B7CE-9234E21C2837}" type="datetimeFigureOut">
               <a:rPr lang="en-US" smtClean="0"/>
-              <a:t>6/18/2017</a:t>
+              <a:t>6/19/2017</a:t>
             </a:fld>
             <a:endParaRPr lang="en-US"/>
           </a:p>
@@ -8507,7 +8507,7 @@
           <a:p>
             <a:fld id="{CE1DA07A-9201-4B4B-BAF2-015AFA30F520}" type="datetimeFigureOut">
               <a:rPr lang="en-US" smtClean="0"/>
-              <a:t>6/18/2017</a:t>
+              <a:t>6/19/2017</a:t>
             </a:fld>
             <a:endParaRPr lang="en-US"/>
           </a:p>
@@ -8637,7 +8637,7 @@
           <a:p>
             <a:fld id="{73D7E00A-486F-4252-8B1D-E32645521F49}" type="datetimeFigureOut">
               <a:rPr lang="en-US" smtClean="0"/>
-              <a:t>6/18/2017</a:t>
+              <a:t>6/19/2017</a:t>
             </a:fld>
             <a:endParaRPr lang="en-US"/>
           </a:p>
@@ -8744,7 +8744,7 @@
           <a:p>
             <a:fld id="{8DDF5F92-E675-4B36-9A60-69A962A68675}" type="datetimeFigureOut">
               <a:rPr lang="en-US" smtClean="0"/>
-              <a:t>6/18/2017</a:t>
+              <a:t>6/19/2017</a:t>
             </a:fld>
             <a:endParaRPr lang="en-US"/>
           </a:p>
@@ -9013,7 +9013,7 @@
             <a:fld id="{5586B75A-687E-405C-8A0B-8D00578BA2C3}" type="datetimeFigureOut">
               <a:rPr lang="en-US" smtClean="0"/>
               <a:pPr/>
-              <a:t>6/18/2017</a:t>
+              <a:t>6/19/2017</a:t>
             </a:fld>
             <a:endParaRPr lang="en-US"/>
           </a:p>
@@ -9382,7 +9382,7 @@
           <a:p>
             <a:fld id="{AF6E2C9B-5FA2-460D-9BE7-B0812FC2A6FF}" type="datetimeFigureOut">
               <a:rPr lang="en-US" smtClean="0"/>
-              <a:t>6/18/2017</a:t>
+              <a:t>6/19/2017</a:t>
             </a:fld>
             <a:endParaRPr lang="en-US"/>
           </a:p>
@@ -9712,7 +9712,7 @@
             <a:fld id="{5586B75A-687E-405C-8A0B-8D00578BA2C3}" type="datetimeFigureOut">
               <a:rPr lang="en-US" smtClean="0"/>
               <a:pPr/>
-              <a:t>6/18/2017</a:t>
+              <a:t>6/19/2017</a:t>
             </a:fld>
             <a:endParaRPr lang="en-US"/>
           </a:p>
@@ -9915,7 +9915,7 @@
           <a:p>
             <a:fld id="{5F4E5243-F52A-4D37-9694-EB26C6C31910}" type="datetimeFigureOut">
               <a:rPr lang="en-US" smtClean="0"/>
-              <a:t>6/18/2017</a:t>
+              <a:t>6/19/2017</a:t>
             </a:fld>
             <a:endParaRPr lang="en-US"/>
           </a:p>
@@ -10107,7 +10107,7 @@
           <a:p>
             <a:fld id="{3A77B6E1-634A-48DC-9E8B-D894023267EF}" type="datetimeFigureOut">
               <a:rPr lang="en-US" smtClean="0"/>
-              <a:t>6/18/2017</a:t>
+              <a:t>6/19/2017</a:t>
             </a:fld>
             <a:endParaRPr lang="en-US"/>
           </a:p>
@@ -10381,7 +10381,7 @@
             <a:fld id="{5586B75A-687E-405C-8A0B-8D00578BA2C3}" type="datetimeFigureOut">
               <a:rPr lang="en-US" smtClean="0"/>
               <a:pPr/>
-              <a:t>6/18/2017</a:t>
+              <a:t>6/19/2017</a:t>
             </a:fld>
             <a:endParaRPr lang="en-US"/>
           </a:p>
@@ -10584,7 +10584,7 @@
           <a:p>
             <a:fld id="{7B2D3E9E-A95C-48F2-B4BF-A71542E0BE9A}" type="datetimeFigureOut">
               <a:rPr lang="en-US" smtClean="0"/>
-              <a:t>6/18/2017</a:t>
+              <a:t>6/19/2017</a:t>
             </a:fld>
             <a:endParaRPr lang="en-US"/>
           </a:p>
@@ -10853,7 +10853,7 @@
             <a:fld id="{5586B75A-687E-405C-8A0B-8D00578BA2C3}" type="datetimeFigureOut">
               <a:rPr lang="en-US" smtClean="0"/>
               <a:pPr/>
-              <a:t>6/18/2017</a:t>
+              <a:t>6/19/2017</a:t>
             </a:fld>
             <a:endParaRPr lang="en-US"/>
           </a:p>
@@ -11154,7 +11154,7 @@
           <a:p>
             <a:fld id="{F12952B5-7A2F-4CC8-B7CE-9234E21C2837}" type="datetimeFigureOut">
               <a:rPr lang="en-US" smtClean="0"/>
-              <a:t>6/18/2017</a:t>
+              <a:t>6/19/2017</a:t>
             </a:fld>
             <a:endParaRPr lang="en-US"/>
           </a:p>
@@ -11604,7 +11604,7 @@
           <a:p>
             <a:fld id="{CE1DA07A-9201-4B4B-BAF2-015AFA30F520}" type="datetimeFigureOut">
               <a:rPr lang="en-US" smtClean="0"/>
-              <a:t>6/18/2017</a:t>
+              <a:t>6/19/2017</a:t>
             </a:fld>
             <a:endParaRPr lang="en-US"/>
           </a:p>
@@ -11734,7 +11734,7 @@
           <a:p>
             <a:fld id="{73D7E00A-486F-4252-8B1D-E32645521F49}" type="datetimeFigureOut">
               <a:rPr lang="en-US" smtClean="0"/>
-              <a:t>6/18/2017</a:t>
+              <a:t>6/19/2017</a:t>
             </a:fld>
             <a:endParaRPr lang="en-US"/>
           </a:p>
@@ -12034,7 +12034,7 @@
           <a:p>
             <a:fld id="{F12952B5-7A2F-4CC8-B7CE-9234E21C2837}" type="datetimeFigureOut">
               <a:rPr lang="en-US" smtClean="0"/>
-              <a:t>6/18/2017</a:t>
+              <a:t>6/19/2017</a:t>
             </a:fld>
             <a:endParaRPr lang="en-US"/>
           </a:p>
@@ -12141,7 +12141,7 @@
           <a:p>
             <a:fld id="{8DDF5F92-E675-4B36-9A60-69A962A68675}" type="datetimeFigureOut">
               <a:rPr lang="en-US" smtClean="0"/>
-              <a:t>6/18/2017</a:t>
+              <a:t>6/19/2017</a:t>
             </a:fld>
             <a:endParaRPr lang="en-US"/>
           </a:p>
@@ -12509,7 +12509,7 @@
           <a:p>
             <a:fld id="{AF6E2C9B-5FA2-460D-9BE7-B0812FC2A6FF}" type="datetimeFigureOut">
               <a:rPr lang="en-US" smtClean="0"/>
-              <a:t>6/18/2017</a:t>
+              <a:t>6/19/2017</a:t>
             </a:fld>
             <a:endParaRPr lang="en-US"/>
           </a:p>
@@ -12839,7 +12839,7 @@
             <a:fld id="{5586B75A-687E-405C-8A0B-8D00578BA2C3}" type="datetimeFigureOut">
               <a:rPr lang="en-US" smtClean="0"/>
               <a:pPr/>
-              <a:t>6/18/2017</a:t>
+              <a:t>6/19/2017</a:t>
             </a:fld>
             <a:endParaRPr lang="en-US"/>
           </a:p>
@@ -13042,7 +13042,7 @@
           <a:p>
             <a:fld id="{5F4E5243-F52A-4D37-9694-EB26C6C31910}" type="datetimeFigureOut">
               <a:rPr lang="en-US" smtClean="0"/>
-              <a:t>6/18/2017</a:t>
+              <a:t>6/19/2017</a:t>
             </a:fld>
             <a:endParaRPr lang="en-US"/>
           </a:p>
@@ -13234,7 +13234,7 @@
           <a:p>
             <a:fld id="{3A77B6E1-634A-48DC-9E8B-D894023267EF}" type="datetimeFigureOut">
               <a:rPr lang="en-US" smtClean="0"/>
-              <a:t>6/18/2017</a:t>
+              <a:t>6/19/2017</a:t>
             </a:fld>
             <a:endParaRPr lang="en-US"/>
           </a:p>
@@ -13684,7 +13684,7 @@
           <a:p>
             <a:fld id="{CE1DA07A-9201-4B4B-BAF2-015AFA30F520}" type="datetimeFigureOut">
               <a:rPr lang="en-US" smtClean="0"/>
-              <a:t>6/18/2017</a:t>
+              <a:t>6/19/2017</a:t>
             </a:fld>
             <a:endParaRPr lang="en-US"/>
           </a:p>
@@ -13814,7 +13814,7 @@
           <a:p>
             <a:fld id="{73D7E00A-486F-4252-8B1D-E32645521F49}" type="datetimeFigureOut">
               <a:rPr lang="en-US" smtClean="0"/>
-              <a:t>6/18/2017</a:t>
+              <a:t>6/19/2017</a:t>
             </a:fld>
             <a:endParaRPr lang="en-US"/>
           </a:p>
@@ -13921,7 +13921,7 @@
           <a:p>
             <a:fld id="{8DDF5F92-E675-4B36-9A60-69A962A68675}" type="datetimeFigureOut">
               <a:rPr lang="en-US" smtClean="0"/>
-              <a:t>6/18/2017</a:t>
+              <a:t>6/19/2017</a:t>
             </a:fld>
             <a:endParaRPr lang="en-US"/>
           </a:p>
@@ -14289,7 +14289,7 @@
           <a:p>
             <a:fld id="{AF6E2C9B-5FA2-460D-9BE7-B0812FC2A6FF}" type="datetimeFigureOut">
               <a:rPr lang="en-US" smtClean="0"/>
-              <a:t>6/18/2017</a:t>
+              <a:t>6/19/2017</a:t>
             </a:fld>
             <a:endParaRPr lang="en-US"/>
           </a:p>
@@ -14619,7 +14619,7 @@
             <a:fld id="{5586B75A-687E-405C-8A0B-8D00578BA2C3}" type="datetimeFigureOut">
               <a:rPr lang="en-US" smtClean="0"/>
               <a:pPr/>
-              <a:t>6/18/2017</a:t>
+              <a:t>6/19/2017</a:t>
             </a:fld>
             <a:endParaRPr lang="en-US"/>
           </a:p>
@@ -14866,7 +14866,7 @@
             <a:fld id="{5586B75A-687E-405C-8A0B-8D00578BA2C3}" type="datetimeFigureOut">
               <a:rPr lang="en-US" smtClean="0"/>
               <a:pPr/>
-              <a:t>6/18/2017</a:t>
+              <a:t>6/19/2017</a:t>
             </a:fld>
             <a:endParaRPr lang="en-US"/>
           </a:p>
@@ -15452,7 +15452,7 @@
             <a:fld id="{5586B75A-687E-405C-8A0B-8D00578BA2C3}" type="datetimeFigureOut">
               <a:rPr lang="en-US" smtClean="0"/>
               <a:pPr/>
-              <a:t>6/18/2017</a:t>
+              <a:t>6/19/2017</a:t>
             </a:fld>
             <a:endParaRPr lang="en-US"/>
           </a:p>
@@ -16038,7 +16038,7 @@
             <a:fld id="{5586B75A-687E-405C-8A0B-8D00578BA2C3}" type="datetimeFigureOut">
               <a:rPr lang="en-US" smtClean="0"/>
               <a:pPr/>
-              <a:t>6/18/2017</a:t>
+              <a:t>6/19/2017</a:t>
             </a:fld>
             <a:endParaRPr lang="en-US"/>
           </a:p>
@@ -16624,7 +16624,7 @@
             <a:fld id="{5586B75A-687E-405C-8A0B-8D00578BA2C3}" type="datetimeFigureOut">
               <a:rPr lang="en-US" smtClean="0"/>
               <a:pPr/>
-              <a:t>6/18/2017</a:t>
+              <a:t>6/19/2017</a:t>
             </a:fld>
             <a:endParaRPr lang="en-US"/>
           </a:p>
@@ -17925,7 +17925,6 @@
               <a:rPr lang="en-US"/>
               <a:t>Number Margin</a:t>
             </a:r>
-            <a:endParaRPr lang="en-US"/>
           </a:p>
         </p:txBody>
       </p:sp>
@@ -18437,7 +18436,6 @@
               <a:rPr lang="en-US" smtClean="0"/>
               <a:t>Hỗ trợ ngôn ngữ C, C++, C#, VB</a:t>
             </a:r>
-            <a:endParaRPr lang="en-US" smtClean="0"/>
           </a:p>
           <a:p>
             <a:r>
@@ -18673,129 +18671,136 @@
           <a:lstStyle/>
           <a:p>
             <a:r>
-              <a:rPr lang="en-US" err="1" smtClean="0"/>
+              <a:rPr lang="en-US" dirty="0" err="1" smtClean="0"/>
               <a:t>Giới</a:t>
             </a:r>
             <a:r>
-              <a:rPr lang="en-US" smtClean="0"/>
+              <a:rPr lang="en-US" dirty="0" smtClean="0"/>
               <a:t> </a:t>
             </a:r>
             <a:r>
-              <a:rPr lang="en-US" err="1" smtClean="0"/>
+              <a:rPr lang="en-US" dirty="0" err="1" smtClean="0"/>
               <a:t>thiệu</a:t>
             </a:r>
             <a:r>
-              <a:rPr lang="en-US" smtClean="0"/>
+              <a:rPr lang="en-US" dirty="0" smtClean="0"/>
               <a:t> </a:t>
             </a:r>
             <a:r>
-              <a:rPr lang="en-US" err="1" smtClean="0"/>
+              <a:rPr lang="en-US" dirty="0" err="1" smtClean="0"/>
               <a:t>về</a:t>
             </a:r>
             <a:r>
-              <a:rPr lang="en-US" smtClean="0"/>
+              <a:rPr lang="en-US" dirty="0" smtClean="0"/>
               <a:t> Notepad++</a:t>
             </a:r>
           </a:p>
           <a:p>
             <a:r>
-              <a:rPr lang="en-US" err="1" smtClean="0"/>
+              <a:rPr lang="en-US" dirty="0" err="1" smtClean="0"/>
               <a:t>Giao</a:t>
             </a:r>
             <a:r>
-              <a:rPr lang="en-US" smtClean="0"/>
+              <a:rPr lang="en-US" dirty="0" smtClean="0"/>
               <a:t> </a:t>
             </a:r>
             <a:r>
-              <a:rPr lang="en-US" err="1" smtClean="0"/>
+              <a:rPr lang="en-US" dirty="0" err="1" smtClean="0"/>
               <a:t>diện</a:t>
             </a:r>
-            <a:endParaRPr lang="en-US"/>
-          </a:p>
-          <a:p>
-            <a:r>
-              <a:rPr lang="en-US" err="1" smtClean="0"/>
+            <a:endParaRPr lang="en-US" dirty="0"/>
+          </a:p>
+          <a:p>
+            <a:r>
+              <a:rPr lang="en-US" dirty="0" err="1" smtClean="0"/>
               <a:t>Chức</a:t>
             </a:r>
             <a:r>
-              <a:rPr lang="en-US" smtClean="0"/>
+              <a:rPr lang="en-US" dirty="0" smtClean="0"/>
               <a:t> </a:t>
             </a:r>
             <a:r>
-              <a:rPr lang="en-US" err="1" smtClean="0"/>
+              <a:rPr lang="en-US" dirty="0" err="1" smtClean="0"/>
               <a:t>năng</a:t>
             </a:r>
             <a:r>
-              <a:rPr lang="en-US" smtClean="0"/>
+              <a:rPr lang="en-US" dirty="0" smtClean="0"/>
               <a:t> </a:t>
             </a:r>
             <a:r>
-              <a:rPr lang="en-US" err="1" smtClean="0"/>
+              <a:rPr lang="en-US" dirty="0" err="1" smtClean="0"/>
               <a:t>chính</a:t>
             </a:r>
-            <a:endParaRPr lang="en-US"/>
-          </a:p>
-          <a:p>
-            <a:r>
-              <a:rPr lang="en-US" err="1" smtClean="0"/>
+            <a:endParaRPr lang="en-US" dirty="0"/>
+          </a:p>
+          <a:p>
+            <a:r>
+              <a:rPr lang="en-US" dirty="0" err="1" smtClean="0"/>
               <a:t>Kết</a:t>
             </a:r>
             <a:r>
-              <a:rPr lang="en-US" smtClean="0"/>
+              <a:rPr lang="en-US" dirty="0" smtClean="0"/>
               <a:t> </a:t>
             </a:r>
             <a:r>
-              <a:rPr lang="en-US" err="1" smtClean="0"/>
+              <a:rPr lang="en-US" dirty="0" err="1" smtClean="0"/>
               <a:t>quả</a:t>
             </a:r>
             <a:r>
-              <a:rPr lang="en-US" smtClean="0"/>
+              <a:rPr lang="en-US" dirty="0" smtClean="0"/>
               <a:t> </a:t>
             </a:r>
             <a:r>
-              <a:rPr lang="en-US" err="1" smtClean="0"/>
+              <a:rPr lang="en-US" dirty="0" err="1" smtClean="0"/>
               <a:t>đạt</a:t>
             </a:r>
             <a:r>
-              <a:rPr lang="en-US" smtClean="0"/>
+              <a:rPr lang="en-US" dirty="0" smtClean="0"/>
               <a:t> </a:t>
             </a:r>
             <a:r>
-              <a:rPr lang="en-US" err="1" smtClean="0"/>
+              <a:rPr lang="en-US" dirty="0" err="1" smtClean="0"/>
               <a:t>được</a:t>
             </a:r>
-            <a:endParaRPr lang="en-US"/>
-          </a:p>
-          <a:p>
-            <a:r>
-              <a:rPr lang="en-US" err="1" smtClean="0"/>
+            <a:endParaRPr lang="en-US" dirty="0"/>
+          </a:p>
+          <a:p>
+            <a:r>
+              <a:rPr lang="en-US" dirty="0" err="1" smtClean="0"/>
               <a:t>Hạn</a:t>
             </a:r>
             <a:r>
-              <a:rPr lang="en-US" smtClean="0"/>
+              <a:rPr lang="en-US" dirty="0" smtClean="0"/>
               <a:t> </a:t>
             </a:r>
             <a:r>
-              <a:rPr lang="en-US" err="1" smtClean="0"/>
+              <a:rPr lang="en-US" dirty="0" err="1" smtClean="0"/>
               <a:t>chế</a:t>
             </a:r>
-            <a:r>
-              <a:rPr lang="en-US" smtClean="0"/>
-              <a:t>, </a:t>
-            </a:r>
-            <a:r>
-              <a:rPr lang="en-US" err="1" smtClean="0"/>
-              <a:t>khó</a:t>
-            </a:r>
-            <a:r>
-              <a:rPr lang="en-US" smtClean="0"/>
+            <a:endParaRPr lang="en-US" dirty="0"/>
+          </a:p>
+          <a:p>
+            <a:r>
+              <a:rPr lang="en-US" dirty="0" err="1" smtClean="0"/>
+              <a:t>Hướng</a:t>
+            </a:r>
+            <a:r>
+              <a:rPr lang="en-US" dirty="0" smtClean="0"/>
               <a:t> </a:t>
             </a:r>
             <a:r>
-              <a:rPr lang="en-US" err="1" smtClean="0"/>
-              <a:t>khăn</a:t>
-            </a:r>
-            <a:endParaRPr lang="en-US"/>
+              <a:rPr lang="en-US" dirty="0" err="1" smtClean="0"/>
+              <a:t>phát</a:t>
+            </a:r>
+            <a:r>
+              <a:rPr lang="en-US" dirty="0" smtClean="0"/>
+              <a:t> </a:t>
+            </a:r>
+            <a:r>
+              <a:rPr lang="en-US" dirty="0" err="1" smtClean="0"/>
+              <a:t>triển</a:t>
+            </a:r>
+            <a:endParaRPr lang="en-US" dirty="0" smtClean="0"/>
           </a:p>
         </p:txBody>
       </p:sp>
@@ -18985,7 +18990,6 @@
               <a:rPr lang="en-US" smtClean="0"/>
               <a:t>Chỉ hỗ trợ ngôn ngữ C, C++, C#, VB</a:t>
             </a:r>
-            <a:endParaRPr lang="en-US" smtClean="0"/>
           </a:p>
           <a:p>
             <a:r>
@@ -19102,9 +19106,110 @@
               <a:buNone/>
             </a:pPr>
             <a:r>
-              <a:rPr lang="en-US" smtClean="0"/>
-              <a:t>Giao diện winform lâu đời, chưa bắt kịp xu hướng</a:t>
-            </a:r>
+              <a:rPr lang="en-US" dirty="0" err="1" smtClean="0"/>
+              <a:t>Giao</a:t>
+            </a:r>
+            <a:r>
+              <a:rPr lang="en-US" dirty="0" smtClean="0"/>
+              <a:t> </a:t>
+            </a:r>
+            <a:r>
+              <a:rPr lang="en-US" dirty="0" err="1" smtClean="0"/>
+              <a:t>diện</a:t>
+            </a:r>
+            <a:r>
+              <a:rPr lang="en-US" dirty="0" smtClean="0"/>
+              <a:t> </a:t>
+            </a:r>
+            <a:r>
+              <a:rPr lang="en-US" dirty="0" err="1" smtClean="0"/>
+              <a:t>winform</a:t>
+            </a:r>
+            <a:r>
+              <a:rPr lang="en-US" dirty="0" smtClean="0"/>
+              <a:t> </a:t>
+            </a:r>
+            <a:r>
+              <a:rPr lang="en-US" dirty="0" err="1" smtClean="0"/>
+              <a:t>lâu</a:t>
+            </a:r>
+            <a:r>
+              <a:rPr lang="en-US" dirty="0" smtClean="0"/>
+              <a:t> </a:t>
+            </a:r>
+            <a:r>
+              <a:rPr lang="en-US" dirty="0" err="1" smtClean="0"/>
+              <a:t>đời</a:t>
+            </a:r>
+            <a:r>
+              <a:rPr lang="en-US" dirty="0" smtClean="0"/>
+              <a:t>, </a:t>
+            </a:r>
+            <a:r>
+              <a:rPr lang="en-US" dirty="0" err="1" smtClean="0"/>
+              <a:t>chưa</a:t>
+            </a:r>
+            <a:r>
+              <a:rPr lang="en-US" dirty="0" smtClean="0"/>
+              <a:t> </a:t>
+            </a:r>
+            <a:r>
+              <a:rPr lang="en-US" dirty="0" err="1" smtClean="0"/>
+              <a:t>bắt</a:t>
+            </a:r>
+            <a:r>
+              <a:rPr lang="en-US" dirty="0" smtClean="0"/>
+              <a:t> </a:t>
+            </a:r>
+            <a:r>
+              <a:rPr lang="en-US" dirty="0" err="1" smtClean="0"/>
+              <a:t>kịp</a:t>
+            </a:r>
+            <a:r>
+              <a:rPr lang="en-US" dirty="0" smtClean="0"/>
+              <a:t> </a:t>
+            </a:r>
+            <a:r>
+              <a:rPr lang="en-US" dirty="0" err="1" smtClean="0"/>
+              <a:t>xu</a:t>
+            </a:r>
+            <a:r>
+              <a:rPr lang="en-US" dirty="0" smtClean="0"/>
+              <a:t> </a:t>
+            </a:r>
+            <a:r>
+              <a:rPr lang="en-US" dirty="0" err="1" smtClean="0"/>
+              <a:t>hướng</a:t>
+            </a:r>
+            <a:r>
+              <a:rPr lang="en-US" dirty="0" smtClean="0"/>
+              <a:t> </a:t>
+            </a:r>
+            <a:r>
+              <a:rPr lang="en-US" dirty="0" err="1" smtClean="0"/>
+              <a:t>thiết</a:t>
+            </a:r>
+            <a:r>
+              <a:rPr lang="en-US" dirty="0" smtClean="0"/>
+              <a:t> </a:t>
+            </a:r>
+            <a:r>
+              <a:rPr lang="en-US" dirty="0" err="1" smtClean="0"/>
+              <a:t>kế</a:t>
+            </a:r>
+            <a:r>
+              <a:rPr lang="en-US" dirty="0" smtClean="0"/>
+              <a:t> </a:t>
+            </a:r>
+            <a:r>
+              <a:rPr lang="en-US" dirty="0" err="1" smtClean="0"/>
+              <a:t>mới</a:t>
+            </a:r>
+            <a:r>
+              <a:rPr lang="en-US" smtClean="0"/>
+              <a:t>.</a:t>
+            </a:r>
+            <a:endParaRPr lang="en-US" dirty="0" smtClean="0"/>
           </a:p>
         </p:txBody>
       </p:sp>
@@ -19166,16 +19271,32 @@
           <a:lstStyle/>
           <a:p>
             <a:r>
-              <a:rPr lang="en-US" smtClean="0"/>
-              <a:t>Kết luận</a:t>
-            </a:r>
-            <a:endParaRPr lang="en-US"/>
-          </a:p>
-        </p:txBody>
-      </p:sp>
-      <p:sp>
-        <p:nvSpPr>
-          <p:cNvPr id="3" name="Subtitle 2"/>
+              <a:rPr lang="en-US" dirty="0" err="1" smtClean="0"/>
+              <a:t>Hướng</a:t>
+            </a:r>
+            <a:r>
+              <a:rPr lang="en-US" dirty="0" smtClean="0"/>
+              <a:t> </a:t>
+            </a:r>
+            <a:r>
+              <a:rPr lang="en-US" dirty="0" err="1" smtClean="0"/>
+              <a:t>phát</a:t>
+            </a:r>
+            <a:r>
+              <a:rPr lang="en-US" dirty="0" smtClean="0"/>
+              <a:t> </a:t>
+            </a:r>
+            <a:r>
+              <a:rPr lang="en-US" dirty="0" err="1" smtClean="0"/>
+              <a:t>triển</a:t>
+            </a:r>
+            <a:endParaRPr lang="en-US" dirty="0"/>
+          </a:p>
+        </p:txBody>
+      </p:sp>
+      <p:sp>
+        <p:nvSpPr>
+          <p:cNvPr id="4" name="Subtitle 3"/>
           <p:cNvSpPr>
             <a:spLocks noGrp="1"/>
           </p:cNvSpPr>
@@ -19195,7 +19316,7 @@
     </p:spTree>
     <p:extLst>
       <p:ext uri="{BB962C8B-B14F-4D97-AF65-F5344CB8AC3E}">
-        <p14:creationId xmlns:p14="http://schemas.microsoft.com/office/powerpoint/2010/main" val="3696865791"/>
+        <p14:creationId xmlns:p14="http://schemas.microsoft.com/office/powerpoint/2010/main" val="4081752500"/>
       </p:ext>
     </p:extLst>
   </p:cSld>
@@ -19250,10 +19371,26 @@
           <a:lstStyle/>
           <a:p>
             <a:r>
-              <a:rPr lang="en-US" smtClean="0"/>
-              <a:t>Kết luận</a:t>
-            </a:r>
-            <a:endParaRPr lang="en-US"/>
+              <a:rPr lang="en-US" dirty="0" err="1" smtClean="0"/>
+              <a:t>Hướng</a:t>
+            </a:r>
+            <a:r>
+              <a:rPr lang="en-US" dirty="0" smtClean="0"/>
+              <a:t> </a:t>
+            </a:r>
+            <a:r>
+              <a:rPr lang="en-US" dirty="0" err="1" smtClean="0"/>
+              <a:t>phát</a:t>
+            </a:r>
+            <a:r>
+              <a:rPr lang="en-US" dirty="0" smtClean="0"/>
+              <a:t> </a:t>
+            </a:r>
+            <a:r>
+              <a:rPr lang="en-US" dirty="0" err="1" smtClean="0"/>
+              <a:t>triển</a:t>
+            </a:r>
+            <a:endParaRPr lang="en-US" dirty="0"/>
           </a:p>
         </p:txBody>
       </p:sp>
@@ -19277,17 +19414,347 @@
           <a:bodyPr/>
           <a:lstStyle/>
           <a:p>
-            <a:r>
-              <a:rPr lang="en-US" smtClean="0"/>
-              <a:t>Notepad++ đã hoạt động và sử dụng được ở mức cơ bản</a:t>
-            </a:r>
+            <a:pPr lvl="0"/>
+            <a:r>
+              <a:rPr lang="en-US" dirty="0" err="1"/>
+              <a:t>Sử</a:t>
+            </a:r>
+            <a:r>
+              <a:rPr lang="en-US" dirty="0"/>
+              <a:t> </a:t>
+            </a:r>
+            <a:r>
+              <a:rPr lang="en-US" dirty="0" err="1"/>
+              <a:t>dụng</a:t>
+            </a:r>
+            <a:r>
+              <a:rPr lang="en-US" dirty="0"/>
+              <a:t> </a:t>
+            </a:r>
+            <a:r>
+              <a:rPr lang="en-US" dirty="0" err="1"/>
+              <a:t>thuật</a:t>
+            </a:r>
+            <a:r>
+              <a:rPr lang="en-US" dirty="0"/>
+              <a:t> </a:t>
+            </a:r>
+            <a:r>
+              <a:rPr lang="en-US" dirty="0" err="1"/>
+              <a:t>toán</a:t>
+            </a:r>
+            <a:r>
+              <a:rPr lang="en-US" dirty="0"/>
+              <a:t> </a:t>
+            </a:r>
+            <a:r>
+              <a:rPr lang="en-US" dirty="0" err="1"/>
+              <a:t>tối</a:t>
+            </a:r>
+            <a:r>
+              <a:rPr lang="en-US" dirty="0"/>
+              <a:t> </a:t>
+            </a:r>
+            <a:r>
+              <a:rPr lang="en-US" dirty="0" err="1"/>
+              <a:t>ưu</a:t>
+            </a:r>
+            <a:r>
+              <a:rPr lang="en-US" dirty="0"/>
+              <a:t> </a:t>
+            </a:r>
+            <a:r>
+              <a:rPr lang="en-US" dirty="0" err="1"/>
+              <a:t>hơn</a:t>
+            </a:r>
+            <a:r>
+              <a:rPr lang="en-US" dirty="0"/>
+              <a:t> </a:t>
+            </a:r>
+            <a:r>
+              <a:rPr lang="en-US" dirty="0" err="1"/>
+              <a:t>cho</a:t>
+            </a:r>
+            <a:r>
+              <a:rPr lang="en-US" dirty="0"/>
+              <a:t> </a:t>
+            </a:r>
+            <a:r>
+              <a:rPr lang="en-US" dirty="0" err="1"/>
+              <a:t>các</a:t>
+            </a:r>
+            <a:r>
+              <a:rPr lang="en-US" dirty="0"/>
+              <a:t> </a:t>
+            </a:r>
+            <a:r>
+              <a:rPr lang="en-US" dirty="0" err="1"/>
+              <a:t>chức</a:t>
+            </a:r>
+            <a:r>
+              <a:rPr lang="en-US" dirty="0"/>
+              <a:t> </a:t>
+            </a:r>
+            <a:r>
+              <a:rPr lang="en-US" dirty="0" err="1"/>
+              <a:t>năng</a:t>
+            </a:r>
+            <a:endParaRPr lang="en-US" dirty="0"/>
+          </a:p>
+          <a:p>
+            <a:pPr lvl="0"/>
+            <a:r>
+              <a:rPr lang="en-US" dirty="0" err="1"/>
+              <a:t>Tự</a:t>
+            </a:r>
+            <a:r>
+              <a:rPr lang="en-US" dirty="0"/>
+              <a:t> </a:t>
+            </a:r>
+            <a:r>
+              <a:rPr lang="en-US" dirty="0" err="1"/>
+              <a:t>động</a:t>
+            </a:r>
+            <a:r>
+              <a:rPr lang="en-US" dirty="0"/>
+              <a:t> </a:t>
+            </a:r>
+            <a:r>
+              <a:rPr lang="en-US" dirty="0" err="1"/>
+              <a:t>thêm</a:t>
+            </a:r>
+            <a:r>
+              <a:rPr lang="en-US" dirty="0"/>
+              <a:t> </a:t>
+            </a:r>
+            <a:r>
+              <a:rPr lang="en-US" dirty="0" err="1"/>
+              <a:t>từ</a:t>
+            </a:r>
+            <a:r>
+              <a:rPr lang="en-US" dirty="0"/>
+              <a:t> </a:t>
+            </a:r>
+            <a:r>
+              <a:rPr lang="en-US" dirty="0" err="1"/>
+              <a:t>khóa</a:t>
+            </a:r>
+            <a:r>
+              <a:rPr lang="en-US" dirty="0"/>
+              <a:t> </a:t>
+            </a:r>
+            <a:r>
+              <a:rPr lang="en-US" dirty="0" err="1"/>
+              <a:t>khi</a:t>
+            </a:r>
+            <a:r>
+              <a:rPr lang="en-US" dirty="0"/>
+              <a:t> </a:t>
+            </a:r>
+            <a:r>
+              <a:rPr lang="en-US" dirty="0" err="1"/>
+              <a:t>người</a:t>
+            </a:r>
+            <a:r>
+              <a:rPr lang="en-US" dirty="0"/>
+              <a:t> </a:t>
+            </a:r>
+            <a:r>
+              <a:rPr lang="en-US" dirty="0" err="1"/>
+              <a:t>dùng</a:t>
+            </a:r>
+            <a:r>
+              <a:rPr lang="en-US" dirty="0"/>
+              <a:t> </a:t>
+            </a:r>
+            <a:r>
+              <a:rPr lang="en-US" dirty="0" err="1"/>
+              <a:t>thêm</a:t>
+            </a:r>
+            <a:r>
+              <a:rPr lang="en-US" dirty="0"/>
+              <a:t> </a:t>
+            </a:r>
+            <a:r>
+              <a:rPr lang="en-US" dirty="0" err="1"/>
+              <a:t>thư</a:t>
+            </a:r>
+            <a:r>
+              <a:rPr lang="en-US" dirty="0"/>
+              <a:t> </a:t>
+            </a:r>
+            <a:r>
+              <a:rPr lang="en-US" dirty="0" err="1"/>
+              <a:t>viện</a:t>
+            </a:r>
+            <a:r>
+              <a:rPr lang="en-US" dirty="0"/>
+              <a:t> </a:t>
+            </a:r>
+            <a:r>
+              <a:rPr lang="en-US" dirty="0" err="1"/>
+              <a:t>mới</a:t>
+            </a:r>
+            <a:endParaRPr lang="en-US" dirty="0"/>
+          </a:p>
+          <a:p>
+            <a:pPr lvl="0"/>
+            <a:r>
+              <a:rPr lang="en-US" dirty="0" err="1"/>
+              <a:t>Hỗ</a:t>
+            </a:r>
+            <a:r>
+              <a:rPr lang="en-US" dirty="0"/>
+              <a:t> </a:t>
+            </a:r>
+            <a:r>
+              <a:rPr lang="en-US" dirty="0" err="1"/>
+              <a:t>trợ</a:t>
+            </a:r>
+            <a:r>
+              <a:rPr lang="en-US" dirty="0"/>
+              <a:t> </a:t>
+            </a:r>
+            <a:r>
+              <a:rPr lang="en-US" dirty="0" err="1"/>
+              <a:t>biên</a:t>
+            </a:r>
+            <a:r>
+              <a:rPr lang="en-US" dirty="0"/>
+              <a:t> </a:t>
+            </a:r>
+            <a:r>
+              <a:rPr lang="en-US" dirty="0" err="1"/>
+              <a:t>dịch</a:t>
+            </a:r>
+            <a:r>
+              <a:rPr lang="en-US" dirty="0"/>
+              <a:t> </a:t>
+            </a:r>
+            <a:r>
+              <a:rPr lang="en-US" dirty="0" err="1"/>
+              <a:t>và</a:t>
+            </a:r>
+            <a:r>
+              <a:rPr lang="en-US" dirty="0"/>
+              <a:t> </a:t>
+            </a:r>
+            <a:r>
+              <a:rPr lang="en-US" dirty="0" err="1"/>
+              <a:t>chạy</a:t>
+            </a:r>
+            <a:r>
+              <a:rPr lang="en-US" dirty="0"/>
+              <a:t> </a:t>
+            </a:r>
+            <a:r>
+              <a:rPr lang="en-US" dirty="0" err="1"/>
+              <a:t>đoạn</a:t>
+            </a:r>
+            <a:r>
+              <a:rPr lang="en-US" dirty="0"/>
+              <a:t> code </a:t>
+            </a:r>
+            <a:r>
+              <a:rPr lang="en-US" dirty="0" err="1"/>
+              <a:t>người</a:t>
+            </a:r>
+            <a:r>
+              <a:rPr lang="en-US" dirty="0"/>
+              <a:t> </a:t>
+            </a:r>
+            <a:r>
+              <a:rPr lang="en-US" dirty="0" err="1"/>
+              <a:t>dùng</a:t>
+            </a:r>
+            <a:r>
+              <a:rPr lang="en-US" dirty="0"/>
+              <a:t> </a:t>
+            </a:r>
+            <a:r>
+              <a:rPr lang="en-US" dirty="0" err="1"/>
+              <a:t>đang</a:t>
+            </a:r>
+            <a:r>
+              <a:rPr lang="en-US" dirty="0"/>
+              <a:t> </a:t>
+            </a:r>
+            <a:r>
+              <a:rPr lang="en-US" dirty="0" err="1"/>
+              <a:t>soạn</a:t>
+            </a:r>
+            <a:r>
+              <a:rPr lang="en-US" dirty="0"/>
+              <a:t> </a:t>
+            </a:r>
+            <a:r>
+              <a:rPr lang="en-US" dirty="0" err="1"/>
+              <a:t>thảo</a:t>
+            </a:r>
+            <a:endParaRPr lang="en-US" dirty="0"/>
+          </a:p>
+          <a:p>
+            <a:pPr lvl="0"/>
+            <a:r>
+              <a:rPr lang="en-US" dirty="0" err="1"/>
+              <a:t>Hỗ</a:t>
+            </a:r>
+            <a:r>
+              <a:rPr lang="en-US" dirty="0"/>
+              <a:t> </a:t>
+            </a:r>
+            <a:r>
+              <a:rPr lang="en-US" dirty="0" err="1"/>
+              <a:t>trợ</a:t>
+            </a:r>
+            <a:r>
+              <a:rPr lang="en-US" dirty="0"/>
+              <a:t> </a:t>
+            </a:r>
+            <a:r>
+              <a:rPr lang="en-US" dirty="0" err="1"/>
+              <a:t>thêm</a:t>
+            </a:r>
+            <a:r>
+              <a:rPr lang="en-US" dirty="0"/>
+              <a:t> </a:t>
+            </a:r>
+            <a:r>
+              <a:rPr lang="en-US" dirty="0" err="1"/>
+              <a:t>nhiều</a:t>
+            </a:r>
+            <a:r>
+              <a:rPr lang="en-US" dirty="0"/>
+              <a:t> </a:t>
+            </a:r>
+            <a:r>
+              <a:rPr lang="en-US" dirty="0" err="1"/>
+              <a:t>ngôn</a:t>
+            </a:r>
+            <a:r>
+              <a:rPr lang="en-US" dirty="0"/>
+              <a:t> </a:t>
+            </a:r>
+            <a:r>
+              <a:rPr lang="en-US" dirty="0" err="1"/>
+              <a:t>ngữ</a:t>
+            </a:r>
+            <a:r>
+              <a:rPr lang="en-US" dirty="0"/>
+              <a:t> </a:t>
+            </a:r>
+            <a:r>
+              <a:rPr lang="en-US" dirty="0" err="1"/>
+              <a:t>mới</a:t>
+            </a:r>
+            <a:endParaRPr lang="en-US" dirty="0"/>
           </a:p>
         </p:txBody>
       </p:sp>
     </p:spTree>
     <p:extLst>
       <p:ext uri="{BB962C8B-B14F-4D97-AF65-F5344CB8AC3E}">
-        <p14:creationId xmlns:p14="http://schemas.microsoft.com/office/powerpoint/2010/main" val="2235014429"/>
+        <p14:creationId xmlns:p14="http://schemas.microsoft.com/office/powerpoint/2010/main" val="3698381755"/>
       </p:ext>
     </p:extLst>
   </p:cSld>
@@ -19953,38 +20420,17 @@
                   <a:schemeClr val="bg1"/>
                 </a:solidFill>
               </a:rPr>
-              <a:t>3. Thanh </a:t>
-            </a:r>
+              <a:t>3. Thanh quản lý trang</a:t>
+            </a:r>
+          </a:p>
+          <a:p>
             <a:r>
               <a:rPr lang="en-US" smtClean="0">
                 <a:solidFill>
                   <a:schemeClr val="bg1"/>
                 </a:solidFill>
               </a:rPr>
-              <a:t>quản lý trang</a:t>
-            </a:r>
-            <a:endParaRPr lang="en-US" smtClean="0">
-              <a:solidFill>
-                <a:schemeClr val="bg1"/>
-              </a:solidFill>
-            </a:endParaRPr>
-          </a:p>
-          <a:p>
-            <a:r>
-              <a:rPr lang="en-US" smtClean="0">
-                <a:solidFill>
-                  <a:schemeClr val="bg1"/>
-                </a:solidFill>
-              </a:rPr>
-              <a:t>4</a:t>
-            </a:r>
-            <a:r>
-              <a:rPr lang="en-US" smtClean="0">
-                <a:solidFill>
-                  <a:schemeClr val="bg1"/>
-                </a:solidFill>
-              </a:rPr>
-              <a:t>. Thanh số trang</a:t>
+              <a:t>4. Thanh số trang</a:t>
             </a:r>
           </a:p>
           <a:p>

--- a/Bao cao do an.pptx
+++ b/Bao cao do an.pptx
@@ -183,7 +183,7 @@
       </p14:sectionLst>
     </p:ext>
     <p:ext uri="{EFAFB233-063F-42B5-8137-9DF3F51BA10A}">
-      <p15:sldGuideLst xmlns="" xmlns:p15="http://schemas.microsoft.com/office/powerpoint/2012/main"/>
+      <p15:sldGuideLst xmlns:p15="http://schemas.microsoft.com/office/powerpoint/2012/main" xmlns=""/>
     </p:ext>
   </p:extLst>
 </p:presentation>
@@ -18427,46 +18427,310 @@
           <a:lstStyle/>
           <a:p>
             <a:r>
-              <a:rPr lang="en-US" smtClean="0"/>
-              <a:t>Giao diện tab cơ bản</a:t>
-            </a:r>
-          </a:p>
-          <a:p>
-            <a:r>
-              <a:rPr lang="en-US" smtClean="0"/>
-              <a:t>Hỗ trợ ngôn ngữ C, C++, C#, VB</a:t>
-            </a:r>
-          </a:p>
-          <a:p>
-            <a:r>
-              <a:rPr lang="en-US" smtClean="0"/>
-              <a:t>Syntax highlight với từ khóa cố định</a:t>
-            </a:r>
-          </a:p>
-          <a:p>
-            <a:r>
-              <a:rPr lang="en-US" smtClean="0"/>
-              <a:t>Auto complete với từ khóa cố định</a:t>
-            </a:r>
-          </a:p>
-          <a:p>
-            <a:r>
-              <a:rPr lang="en-US" smtClean="0"/>
-              <a:t>Code folding hoạt động với mức độ cơ bản</a:t>
-            </a:r>
-          </a:p>
-          <a:p>
-            <a:r>
-              <a:rPr lang="en-US" smtClean="0"/>
-              <a:t>Document map hoạt động tốt</a:t>
-            </a:r>
-          </a:p>
-          <a:p>
-            <a:r>
-              <a:rPr lang="en-US" smtClean="0"/>
-              <a:t>Bookmark margin với Number margin hoạt động tốt</a:t>
-            </a:r>
-            <a:endParaRPr lang="en-US"/>
+              <a:rPr lang="en-US" dirty="0" err="1" smtClean="0"/>
+              <a:t>Giao</a:t>
+            </a:r>
+            <a:r>
+              <a:rPr lang="en-US" dirty="0" smtClean="0"/>
+              <a:t> </a:t>
+            </a:r>
+            <a:r>
+              <a:rPr lang="en-US" dirty="0" err="1" smtClean="0"/>
+              <a:t>diện</a:t>
+            </a:r>
+            <a:r>
+              <a:rPr lang="en-US" dirty="0" smtClean="0"/>
+              <a:t> tab </a:t>
+            </a:r>
+            <a:r>
+              <a:rPr lang="en-US" dirty="0" err="1" smtClean="0"/>
+              <a:t>cơ</a:t>
+            </a:r>
+            <a:r>
+              <a:rPr lang="en-US" dirty="0" smtClean="0"/>
+              <a:t> </a:t>
+            </a:r>
+            <a:r>
+              <a:rPr lang="en-US" dirty="0" err="1" smtClean="0"/>
+              <a:t>bản</a:t>
+            </a:r>
+            <a:endParaRPr lang="en-US" dirty="0" smtClean="0"/>
+          </a:p>
+          <a:p>
+            <a:r>
+              <a:rPr lang="en-US" dirty="0" err="1" smtClean="0"/>
+              <a:t>Hỗ</a:t>
+            </a:r>
+            <a:r>
+              <a:rPr lang="en-US" dirty="0" smtClean="0"/>
+              <a:t> </a:t>
+            </a:r>
+            <a:r>
+              <a:rPr lang="en-US" dirty="0" err="1" smtClean="0"/>
+              <a:t>trợ</a:t>
+            </a:r>
+            <a:r>
+              <a:rPr lang="en-US" dirty="0" smtClean="0"/>
+              <a:t> </a:t>
+            </a:r>
+            <a:r>
+              <a:rPr lang="en-US" dirty="0" err="1" smtClean="0"/>
+              <a:t>ngôn</a:t>
+            </a:r>
+            <a:r>
+              <a:rPr lang="en-US" dirty="0" smtClean="0"/>
+              <a:t> </a:t>
+            </a:r>
+            <a:r>
+              <a:rPr lang="en-US" dirty="0" err="1" smtClean="0"/>
+              <a:t>ngữ</a:t>
+            </a:r>
+            <a:r>
+              <a:rPr lang="en-US" dirty="0" smtClean="0"/>
+              <a:t> C, C++, C#, VB</a:t>
+            </a:r>
+          </a:p>
+          <a:p>
+            <a:r>
+              <a:rPr lang="en-US" dirty="0" smtClean="0"/>
+              <a:t>Syntax highlight </a:t>
+            </a:r>
+            <a:r>
+              <a:rPr lang="en-US" dirty="0" err="1" smtClean="0"/>
+              <a:t>với</a:t>
+            </a:r>
+            <a:r>
+              <a:rPr lang="en-US" dirty="0" smtClean="0"/>
+              <a:t> </a:t>
+            </a:r>
+            <a:r>
+              <a:rPr lang="en-US" dirty="0" err="1" smtClean="0"/>
+              <a:t>từ</a:t>
+            </a:r>
+            <a:r>
+              <a:rPr lang="en-US" dirty="0" smtClean="0"/>
+              <a:t> </a:t>
+            </a:r>
+            <a:r>
+              <a:rPr lang="en-US" dirty="0" err="1" smtClean="0"/>
+              <a:t>khóa</a:t>
+            </a:r>
+            <a:r>
+              <a:rPr lang="en-US" dirty="0" smtClean="0"/>
+              <a:t> </a:t>
+            </a:r>
+            <a:r>
+              <a:rPr lang="en-US" dirty="0" err="1" smtClean="0"/>
+              <a:t>cố</a:t>
+            </a:r>
+            <a:r>
+              <a:rPr lang="en-US" dirty="0" smtClean="0"/>
+              <a:t> </a:t>
+            </a:r>
+            <a:r>
+              <a:rPr lang="en-US" dirty="0" err="1" smtClean="0"/>
+              <a:t>định</a:t>
+            </a:r>
+            <a:endParaRPr lang="en-US" dirty="0" smtClean="0"/>
+          </a:p>
+          <a:p>
+            <a:r>
+              <a:rPr lang="en-US" dirty="0" smtClean="0"/>
+              <a:t>Auto complete </a:t>
+            </a:r>
+            <a:r>
+              <a:rPr lang="en-US" dirty="0" err="1" smtClean="0"/>
+              <a:t>với</a:t>
+            </a:r>
+            <a:r>
+              <a:rPr lang="en-US" dirty="0" smtClean="0"/>
+              <a:t> </a:t>
+            </a:r>
+            <a:r>
+              <a:rPr lang="en-US" dirty="0" err="1" smtClean="0"/>
+              <a:t>từ</a:t>
+            </a:r>
+            <a:r>
+              <a:rPr lang="en-US" dirty="0" smtClean="0"/>
+              <a:t> </a:t>
+            </a:r>
+            <a:r>
+              <a:rPr lang="en-US" dirty="0" err="1" smtClean="0"/>
+              <a:t>khóa</a:t>
+            </a:r>
+            <a:r>
+              <a:rPr lang="en-US" dirty="0" smtClean="0"/>
+              <a:t> </a:t>
+            </a:r>
+            <a:r>
+              <a:rPr lang="en-US" dirty="0" err="1" smtClean="0"/>
+              <a:t>cố</a:t>
+            </a:r>
+            <a:r>
+              <a:rPr lang="en-US" dirty="0" smtClean="0"/>
+              <a:t> </a:t>
+            </a:r>
+            <a:r>
+              <a:rPr lang="en-US" dirty="0" err="1" smtClean="0"/>
+              <a:t>định</a:t>
+            </a:r>
+            <a:endParaRPr lang="en-US" dirty="0" smtClean="0"/>
+          </a:p>
+          <a:p>
+            <a:r>
+              <a:rPr lang="en-US" dirty="0" smtClean="0"/>
+              <a:t>Code folding </a:t>
+            </a:r>
+            <a:r>
+              <a:rPr lang="en-US" dirty="0" err="1" smtClean="0"/>
+              <a:t>hoạt</a:t>
+            </a:r>
+            <a:r>
+              <a:rPr lang="en-US" dirty="0" smtClean="0"/>
+              <a:t> </a:t>
+            </a:r>
+            <a:r>
+              <a:rPr lang="en-US" dirty="0" err="1" smtClean="0"/>
+              <a:t>động</a:t>
+            </a:r>
+            <a:r>
+              <a:rPr lang="en-US" dirty="0" smtClean="0"/>
+              <a:t> </a:t>
+            </a:r>
+            <a:r>
+              <a:rPr lang="en-US" dirty="0" err="1" smtClean="0"/>
+              <a:t>với</a:t>
+            </a:r>
+            <a:r>
+              <a:rPr lang="en-US" dirty="0" smtClean="0"/>
+              <a:t> </a:t>
+            </a:r>
+            <a:r>
+              <a:rPr lang="en-US" dirty="0" err="1" smtClean="0"/>
+              <a:t>mức</a:t>
+            </a:r>
+            <a:r>
+              <a:rPr lang="en-US" dirty="0" smtClean="0"/>
+              <a:t> </a:t>
+            </a:r>
+            <a:r>
+              <a:rPr lang="en-US" dirty="0" err="1" smtClean="0"/>
+              <a:t>độ</a:t>
+            </a:r>
+            <a:r>
+              <a:rPr lang="en-US" dirty="0" smtClean="0"/>
+              <a:t> </a:t>
+            </a:r>
+            <a:r>
+              <a:rPr lang="en-US" dirty="0" err="1" smtClean="0"/>
+              <a:t>cơ</a:t>
+            </a:r>
+            <a:r>
+              <a:rPr lang="en-US" dirty="0" smtClean="0"/>
+              <a:t> </a:t>
+            </a:r>
+            <a:r>
+              <a:rPr lang="en-US" dirty="0" err="1" smtClean="0"/>
+              <a:t>bản</a:t>
+            </a:r>
+            <a:endParaRPr lang="en-US" dirty="0" smtClean="0"/>
+          </a:p>
+          <a:p>
+            <a:r>
+              <a:rPr lang="en-US" dirty="0" smtClean="0"/>
+              <a:t>Document map </a:t>
+            </a:r>
+            <a:r>
+              <a:rPr lang="en-US" dirty="0" err="1" smtClean="0"/>
+              <a:t>hoạt</a:t>
+            </a:r>
+            <a:r>
+              <a:rPr lang="en-US" dirty="0" smtClean="0"/>
+              <a:t> </a:t>
+            </a:r>
+            <a:r>
+              <a:rPr lang="en-US" dirty="0" err="1" smtClean="0"/>
+              <a:t>động</a:t>
+            </a:r>
+            <a:r>
+              <a:rPr lang="en-US" dirty="0" smtClean="0"/>
+              <a:t> </a:t>
+            </a:r>
+            <a:r>
+              <a:rPr lang="en-US" dirty="0" err="1" smtClean="0"/>
+              <a:t>tốt</a:t>
+            </a:r>
+            <a:endParaRPr lang="en-US" dirty="0" smtClean="0"/>
+          </a:p>
+          <a:p>
+            <a:r>
+              <a:rPr lang="en-US" dirty="0" smtClean="0"/>
+              <a:t>Bookmark margin </a:t>
+            </a:r>
+            <a:r>
+              <a:rPr lang="en-US" dirty="0" err="1" smtClean="0"/>
+              <a:t>với</a:t>
+            </a:r>
+            <a:r>
+              <a:rPr lang="en-US" dirty="0" smtClean="0"/>
+              <a:t> Number margin </a:t>
+            </a:r>
+            <a:r>
+              <a:rPr lang="en-US" dirty="0" err="1" smtClean="0"/>
+              <a:t>hoạt</a:t>
+            </a:r>
+            <a:r>
+              <a:rPr lang="en-US" dirty="0" smtClean="0"/>
+              <a:t> </a:t>
+            </a:r>
+            <a:r>
+              <a:rPr lang="en-US" dirty="0" err="1" smtClean="0"/>
+              <a:t>động</a:t>
+            </a:r>
+            <a:r>
+              <a:rPr lang="en-US" dirty="0" smtClean="0"/>
+              <a:t> </a:t>
+            </a:r>
+            <a:r>
+              <a:rPr lang="en-US" dirty="0" err="1" smtClean="0"/>
+              <a:t>tốt</a:t>
+            </a:r>
+            <a:endParaRPr lang="en-US" dirty="0" smtClean="0"/>
+          </a:p>
+          <a:p>
+            <a:r>
+              <a:rPr lang="en-US" dirty="0"/>
+              <a:t>Auto Indenting </a:t>
+            </a:r>
+            <a:r>
+              <a:rPr lang="en-US" dirty="0" err="1"/>
+              <a:t>và</a:t>
+            </a:r>
+            <a:r>
+              <a:rPr lang="en-US" dirty="0"/>
+              <a:t> Brace Matching </a:t>
+            </a:r>
+            <a:r>
+              <a:rPr lang="en-US" dirty="0" err="1"/>
+              <a:t>chạy</a:t>
+            </a:r>
+            <a:r>
+              <a:rPr lang="en-US" dirty="0"/>
+              <a:t> </a:t>
+            </a:r>
+            <a:r>
+              <a:rPr lang="en-US" dirty="0" err="1"/>
+              <a:t>hiệu</a:t>
+            </a:r>
+            <a:r>
+              <a:rPr lang="en-US" dirty="0"/>
+              <a:t> </a:t>
+            </a:r>
+            <a:r>
+              <a:rPr lang="en-US" smtClean="0"/>
+              <a:t>quả</a:t>
+            </a:r>
+            <a:endParaRPr lang="en-US" dirty="0"/>
           </a:p>
         </p:txBody>
       </p:sp>
@@ -21004,7 +21268,7 @@
   <a:extraClrSchemeLst/>
   <a:extLst>
     <a:ext uri="{05A4C25C-085E-4340-85A3-A5531E510DB2}">
-      <thm15:themeFamily xmlns="" xmlns:thm15="http://schemas.microsoft.com/office/thememl/2012/main" name="Metropolitan" id="{4C5440D6-04D2-4954-96CF-F251137069B2}" vid="{3A8A2BB7-7C5E-4EB2-B1F1-CFFF0F57E773}"/>
+      <thm15:themeFamily xmlns:thm15="http://schemas.microsoft.com/office/thememl/2012/main" xmlns="" name="Metropolitan" id="{4C5440D6-04D2-4954-96CF-F251137069B2}" vid="{3A8A2BB7-7C5E-4EB2-B1F1-CFFF0F57E773}"/>
     </a:ext>
   </a:extLst>
 </a:theme>
@@ -21241,7 +21505,7 @@
   <a:extraClrSchemeLst/>
   <a:extLst>
     <a:ext uri="{05A4C25C-085E-4340-85A3-A5531E510DB2}">
-      <thm15:themeFamily xmlns="" xmlns:thm15="http://schemas.microsoft.com/office/thememl/2012/main" name="Metropolitan" id="{4C5440D6-04D2-4954-96CF-F251137069B2}" vid="{33ACF124-275F-44F2-8DE0-0A755069829B}"/>
+      <thm15:themeFamily xmlns:thm15="http://schemas.microsoft.com/office/thememl/2012/main" xmlns="" name="Metropolitan" id="{4C5440D6-04D2-4954-96CF-F251137069B2}" vid="{33ACF124-275F-44F2-8DE0-0A755069829B}"/>
     </a:ext>
   </a:extLst>
 </a:theme>
@@ -21478,7 +21742,7 @@
   <a:extraClrSchemeLst/>
   <a:extLst>
     <a:ext uri="{05A4C25C-085E-4340-85A3-A5531E510DB2}">
-      <thm15:themeFamily xmlns="" xmlns:thm15="http://schemas.microsoft.com/office/thememl/2012/main" name="Metropolitan" id="{4C5440D6-04D2-4954-96CF-F251137069B2}" vid="{0941A018-FB9B-4401-A32C-7E04526866E0}"/>
+      <thm15:themeFamily xmlns:thm15="http://schemas.microsoft.com/office/thememl/2012/main" xmlns="" name="Metropolitan" id="{4C5440D6-04D2-4954-96CF-F251137069B2}" vid="{0941A018-FB9B-4401-A32C-7E04526866E0}"/>
     </a:ext>
   </a:extLst>
 </a:theme>
@@ -21715,7 +21979,7 @@
   <a:extraClrSchemeLst/>
   <a:extLst>
     <a:ext uri="{05A4C25C-085E-4340-85A3-A5531E510DB2}">
-      <thm15:themeFamily xmlns="" xmlns:thm15="http://schemas.microsoft.com/office/thememl/2012/main" name="Metropolitan" id="{4C5440D6-04D2-4954-96CF-F251137069B2}" vid="{79CFCA13-9412-4290-BB4B-85112F88857B}"/>
+      <thm15:themeFamily xmlns:thm15="http://schemas.microsoft.com/office/thememl/2012/main" xmlns="" name="Metropolitan" id="{4C5440D6-04D2-4954-96CF-F251137069B2}" vid="{79CFCA13-9412-4290-BB4B-85112F88857B}"/>
     </a:ext>
   </a:extLst>
 </a:theme>
@@ -21976,28 +22240,13 @@
   <a:extraClrSchemeLst/>
   <a:extLst>
     <a:ext uri="{05A4C25C-085E-4340-85A3-A5531E510DB2}">
-      <thm15:themeFamily xmlns="" xmlns:thm15="http://schemas.microsoft.com/office/thememl/2012/main" name="Office Theme" id="{62F939B6-93AF-4DB8-9C6B-D6C7DFDC589F}" vid="{4A3C46E8-61CC-4603-A589-7422A47A8E4A}"/>
+      <thm15:themeFamily xmlns:thm15="http://schemas.microsoft.com/office/thememl/2012/main" xmlns="" name="Office Theme" id="{62F939B6-93AF-4DB8-9C6B-D6C7DFDC589F}" vid="{4A3C46E8-61CC-4603-A589-7422A47A8E4A}"/>
     </a:ext>
   </a:extLst>
 </a:theme>
 </file>
 
 <file path=customXml/item1.xml><?xml version="1.0" encoding="utf-8"?>
-<?mso-contentType ?>
-<FormTemplates xmlns="http://schemas.microsoft.com/sharepoint/v3/contenttype/forms">
-  <Display>DocumentLibraryForm</Display>
-  <Edit>DocumentLibraryForm</Edit>
-  <New>DocumentLibraryForm</New>
-</FormTemplates>
-</file>
-
-<file path=customXml/item2.xml><?xml version="1.0" encoding="utf-8"?>
-<p:properties xmlns:p="http://schemas.microsoft.com/office/2006/metadata/properties" xmlns:xsi="http://www.w3.org/2001/XMLSchema-instance" xmlns:pc="http://schemas.microsoft.com/office/infopath/2007/PartnerControls">
-  <documentManagement/>
-</p:properties>
-</file>
-
-<file path=customXml/item3.xml><?xml version="1.0" encoding="utf-8"?>
 <ct:contentTypeSchema xmlns:ct="http://schemas.microsoft.com/office/2006/metadata/contentType" xmlns:ma="http://schemas.microsoft.com/office/2006/metadata/properties/metaAttributes" ct:_="" ma:_="" ma:contentTypeName="Document" ma:contentTypeID="0x0101007C1D5F340F01F94FA2FD29A5E6DC872E" ma:contentTypeVersion="0" ma:contentTypeDescription="Create a new document." ma:contentTypeScope="" ma:versionID="f583bd66513a361a730282b6a794e352">
   <xsd:schema xmlns:xsd="http://www.w3.org/2001/XMLSchema" xmlns:xs="http://www.w3.org/2001/XMLSchema" xmlns:p="http://schemas.microsoft.com/office/2006/metadata/properties" targetNamespace="http://schemas.microsoft.com/office/2006/metadata/properties" ma:root="true" ma:fieldsID="6841151cf538834e171094e4faaf2d73">
     <xsd:element name="properties">
@@ -22111,10 +22360,33 @@
 </ct:contentTypeSchema>
 </file>
 
+<file path=customXml/item2.xml><?xml version="1.0" encoding="utf-8"?>
+<p:properties xmlns:p="http://schemas.microsoft.com/office/2006/metadata/properties" xmlns:xsi="http://www.w3.org/2001/XMLSchema-instance" xmlns:pc="http://schemas.microsoft.com/office/infopath/2007/PartnerControls">
+  <documentManagement/>
+</p:properties>
+</file>
+
+<file path=customXml/item3.xml><?xml version="1.0" encoding="utf-8"?>
+<?mso-contentType ?>
+<FormTemplates xmlns="http://schemas.microsoft.com/sharepoint/v3/contenttype/forms">
+  <Display>DocumentLibraryForm</Display>
+  <Edit>DocumentLibraryForm</Edit>
+  <New>DocumentLibraryForm</New>
+</FormTemplates>
+</file>
+
 <file path=customXml/itemProps1.xml><?xml version="1.0" encoding="utf-8"?>
-<ds:datastoreItem xmlns:ds="http://schemas.openxmlformats.org/officeDocument/2006/customXml" ds:itemID="{76B64549-C1F2-49EA-8B2D-5EF61BF1CE56}">
+<ds:datastoreItem xmlns:ds="http://schemas.openxmlformats.org/officeDocument/2006/customXml" ds:itemID="{29F17D79-05FE-43C7-A9B5-360E9D6B5ACC}">
   <ds:schemaRefs>
-    <ds:schemaRef ds:uri="http://schemas.microsoft.com/sharepoint/v3/contenttype/forms"/>
+    <ds:schemaRef ds:uri="http://schemas.microsoft.com/office/2006/metadata/contentType"/>
+    <ds:schemaRef ds:uri="http://schemas.microsoft.com/office/2006/metadata/properties/metaAttributes"/>
+    <ds:schemaRef ds:uri="http://www.w3.org/2001/XMLSchema"/>
+    <ds:schemaRef ds:uri="http://schemas.microsoft.com/office/2006/metadata/properties"/>
+    <ds:schemaRef ds:uri="http://schemas.openxmlformats.org/package/2006/metadata/core-properties"/>
+    <ds:schemaRef ds:uri="http://purl.org/dc/elements/1.1/"/>
+    <ds:schemaRef ds:uri="http://purl.org/dc/terms/"/>
+    <ds:schemaRef ds:uri="http://schemas.microsoft.com/internal/obd"/>
+    <ds:schemaRef ds:uri="http://schemas.microsoft.com/office/infopath/2007/PartnerControls"/>
   </ds:schemaRefs>
 </ds:datastoreItem>
 </file>
@@ -22135,17 +22407,9 @@
 </file>
 
 <file path=customXml/itemProps3.xml><?xml version="1.0" encoding="utf-8"?>
-<ds:datastoreItem xmlns:ds="http://schemas.openxmlformats.org/officeDocument/2006/customXml" ds:itemID="{29F17D79-05FE-43C7-A9B5-360E9D6B5ACC}">
+<ds:datastoreItem xmlns:ds="http://schemas.openxmlformats.org/officeDocument/2006/customXml" ds:itemID="{76B64549-C1F2-49EA-8B2D-5EF61BF1CE56}">
   <ds:schemaRefs>
-    <ds:schemaRef ds:uri="http://schemas.microsoft.com/office/2006/metadata/contentType"/>
-    <ds:schemaRef ds:uri="http://schemas.microsoft.com/office/2006/metadata/properties/metaAttributes"/>
-    <ds:schemaRef ds:uri="http://www.w3.org/2001/XMLSchema"/>
-    <ds:schemaRef ds:uri="http://schemas.microsoft.com/office/2006/metadata/properties"/>
-    <ds:schemaRef ds:uri="http://schemas.openxmlformats.org/package/2006/metadata/core-properties"/>
-    <ds:schemaRef ds:uri="http://purl.org/dc/elements/1.1/"/>
-    <ds:schemaRef ds:uri="http://purl.org/dc/terms/"/>
-    <ds:schemaRef ds:uri="http://schemas.microsoft.com/internal/obd"/>
-    <ds:schemaRef ds:uri="http://schemas.microsoft.com/office/infopath/2007/PartnerControls"/>
+    <ds:schemaRef ds:uri="http://schemas.microsoft.com/sharepoint/v3/contenttype/forms"/>
   </ds:schemaRefs>
 </ds:datastoreItem>
 </file>